--- a/Final Report/block diagram NMDKF.pptx
+++ b/Final Report/block diagram NMDKF.pptx
@@ -2977,7 +2977,7 @@
         </p:nvSpPr>
         <p:spPr>
           <a:xfrm>
-            <a:off x="1286819" y="781565"/>
+            <a:off x="2582005" y="677292"/>
             <a:ext cx="778476" cy="923330"/>
           </a:xfrm>
           <a:prstGeom prst="rect">
@@ -3022,7 +3022,7 @@
             </p:nvSpPr>
             <p:spPr>
               <a:xfrm>
-                <a:off x="626555" y="865832"/>
+                <a:off x="1922943" y="769625"/>
                 <a:ext cx="627017" cy="369332"/>
               </a:xfrm>
               <a:prstGeom prst="rect">
@@ -3086,7 +3086,7 @@
             </p:nvSpPr>
             <p:spPr>
               <a:xfrm>
-                <a:off x="626555" y="865832"/>
+                <a:off x="1922943" y="769625"/>
                 <a:ext cx="627017" cy="369332"/>
               </a:xfrm>
               <a:prstGeom prst="rect">
@@ -3124,7 +3124,7 @@
         </p:nvCxnSpPr>
         <p:spPr>
           <a:xfrm>
-            <a:off x="659802" y="1243230"/>
+            <a:off x="1954988" y="1138957"/>
             <a:ext cx="627017" cy="0"/>
           </a:xfrm>
           <a:prstGeom prst="straightConnector1">
@@ -3162,7 +3162,7 @@
             </p:nvSpPr>
             <p:spPr>
               <a:xfrm>
-                <a:off x="2295356" y="633255"/>
+                <a:off x="3559236" y="633255"/>
                 <a:ext cx="837201" cy="369332"/>
               </a:xfrm>
               <a:prstGeom prst="rect">
@@ -3241,7 +3241,7 @@
             </p:nvSpPr>
             <p:spPr>
               <a:xfrm>
-                <a:off x="2295356" y="633255"/>
+                <a:off x="3559236" y="633255"/>
                 <a:ext cx="837201" cy="369332"/>
               </a:xfrm>
               <a:prstGeom prst="rect">
@@ -3279,7 +3279,7 @@
             </p:nvSpPr>
             <p:spPr>
               <a:xfrm>
-                <a:off x="2058762" y="1528148"/>
+                <a:off x="3500295" y="1492863"/>
                 <a:ext cx="937349" cy="369332"/>
               </a:xfrm>
               <a:prstGeom prst="rect">
@@ -3361,7 +3361,7 @@
             </p:nvSpPr>
             <p:spPr>
               <a:xfrm>
-                <a:off x="2058762" y="1528148"/>
+                <a:off x="3500295" y="1492863"/>
                 <a:ext cx="937349" cy="369332"/>
               </a:xfrm>
               <a:prstGeom prst="rect">
@@ -3370,7 +3370,7 @@
               <a:blipFill rotWithShape="0">
                 <a:blip r:embed="rId4"/>
                 <a:stretch>
-                  <a:fillRect l="-1961" r="-11111" b="-13333"/>
+                  <a:fillRect l="-1948" r="-10390" b="-13333"/>
                 </a:stretch>
               </a:blipFill>
             </p:spPr>
@@ -3397,79 +3397,8 @@
         </p:nvCxnSpPr>
         <p:spPr>
           <a:xfrm>
-            <a:off x="2065295" y="1016863"/>
-            <a:ext cx="8170905" cy="873"/>
-          </a:xfrm>
-          <a:prstGeom prst="straightConnector1">
-            <a:avLst/>
-          </a:prstGeom>
-          <a:ln>
-            <a:solidFill>
-              <a:schemeClr val="tx1"/>
-            </a:solidFill>
-            <a:tailEnd type="triangle"/>
-          </a:ln>
-        </p:spPr>
-        <p:style>
-          <a:lnRef idx="1">
-            <a:schemeClr val="accent1"/>
-          </a:lnRef>
-          <a:fillRef idx="0">
-            <a:schemeClr val="accent1"/>
-          </a:fillRef>
-          <a:effectRef idx="0">
-            <a:schemeClr val="accent1"/>
-          </a:effectRef>
-          <a:fontRef idx="minor">
-            <a:schemeClr val="tx1"/>
-          </a:fontRef>
-        </p:style>
-      </p:cxnSp>
-      <p:sp>
-        <p:nvSpPr>
-          <p:cNvPr id="21" name="TextBox 20"/>
-          <p:cNvSpPr txBox="1"/>
-          <p:nvPr/>
-        </p:nvSpPr>
-        <p:spPr>
-          <a:xfrm>
-            <a:off x="3041829" y="1696269"/>
-            <a:ext cx="875212" cy="369332"/>
-          </a:xfrm>
-          <a:prstGeom prst="rect">
-            <a:avLst/>
-          </a:prstGeom>
-          <a:noFill/>
-          <a:ln>
-            <a:solidFill>
-              <a:schemeClr val="tx1"/>
-            </a:solidFill>
-          </a:ln>
-        </p:spPr>
-        <p:txBody>
-          <a:bodyPr wrap="square" rtlCol="0">
-            <a:spAutoFit/>
-          </a:bodyPr>
-          <a:lstStyle/>
-          <a:p>
-            <a:pPr algn="ctr"/>
-            <a:r>
-              <a:rPr lang="en-GB" dirty="0" smtClean="0"/>
-              <a:t>MMSE</a:t>
-            </a:r>
-          </a:p>
-        </p:txBody>
-      </p:sp>
-      <p:cxnSp>
-        <p:nvCxnSpPr>
-          <p:cNvPr id="25" name="Straight Arrow Connector 24"/>
-          <p:cNvCxnSpPr/>
-          <p:nvPr/>
-        </p:nvCxnSpPr>
-        <p:spPr>
-          <a:xfrm>
-            <a:off x="1676057" y="1880935"/>
-            <a:ext cx="1365774" cy="0"/>
+            <a:off x="3353877" y="1002587"/>
+            <a:ext cx="6882323" cy="0"/>
           </a:xfrm>
           <a:prstGeom prst="straightConnector1">
             <a:avLst/>
@@ -3504,8 +3433,8 @@
         </p:nvCxnSpPr>
         <p:spPr>
           <a:xfrm>
-            <a:off x="3926839" y="1850339"/>
-            <a:ext cx="2286000" cy="0"/>
+            <a:off x="2971243" y="1862195"/>
+            <a:ext cx="3239270" cy="1207"/>
           </a:xfrm>
           <a:prstGeom prst="straightConnector1">
             <a:avLst/>
@@ -3532,126 +3461,6 @@
           </a:fontRef>
         </p:style>
       </p:cxnSp>
-      <mc:AlternateContent xmlns:mc="http://schemas.openxmlformats.org/markup-compatibility/2006" xmlns:a14="http://schemas.microsoft.com/office/drawing/2010/main">
-        <mc:Choice Requires="a14">
-          <p:sp>
-            <p:nvSpPr>
-              <p:cNvPr id="28" name="TextBox 27"/>
-              <p:cNvSpPr txBox="1"/>
-              <p:nvPr/>
-            </p:nvSpPr>
-            <p:spPr>
-              <a:xfrm>
-                <a:off x="3936632" y="1487147"/>
-                <a:ext cx="937349" cy="369332"/>
-              </a:xfrm>
-              <a:prstGeom prst="rect">
-                <a:avLst/>
-              </a:prstGeom>
-              <a:noFill/>
-            </p:spPr>
-            <p:txBody>
-              <a:bodyPr wrap="square" rtlCol="0">
-                <a:spAutoFit/>
-              </a:bodyPr>
-              <a:lstStyle/>
-              <a:p>
-                <a:pPr/>
-                <a14:m>
-                  <m:oMathPara xmlns:m="http://schemas.openxmlformats.org/officeDocument/2006/math">
-                    <m:oMathParaPr>
-                      <m:jc m:val="centerGroup"/>
-                    </m:oMathParaPr>
-                    <m:oMath xmlns:m="http://schemas.openxmlformats.org/officeDocument/2006/math">
-                      <m:r>
-                        <a:rPr lang="en-GB" i="1" dirty="0" smtClean="0">
-                          <a:latin typeface="Cambria Math" panose="02040503050406030204" pitchFamily="18" charset="0"/>
-                        </a:rPr>
-                        <m:t>|</m:t>
-                      </m:r>
-                      <m:r>
-                        <a:rPr lang="en-GB" i="1" dirty="0" smtClean="0">
-                          <a:latin typeface="Cambria Math" panose="02040503050406030204" pitchFamily="18" charset="0"/>
-                        </a:rPr>
-                        <m:t>𝑍</m:t>
-                      </m:r>
-                      <m:r>
-                        <a:rPr lang="en-GB" i="1" dirty="0" smtClean="0">
-                          <a:latin typeface="Cambria Math" panose="02040503050406030204" pitchFamily="18" charset="0"/>
-                        </a:rPr>
-                        <m:t>(</m:t>
-                      </m:r>
-                      <m:r>
-                        <a:rPr lang="en-GB" i="1" dirty="0" err="1" smtClean="0">
-                          <a:latin typeface="Cambria Math" panose="02040503050406030204" pitchFamily="18" charset="0"/>
-                        </a:rPr>
-                        <m:t>𝑛</m:t>
-                      </m:r>
-                      <m:r>
-                        <a:rPr lang="en-GB" i="1" dirty="0" err="1" smtClean="0">
-                          <a:latin typeface="Cambria Math" panose="02040503050406030204" pitchFamily="18" charset="0"/>
-                        </a:rPr>
-                        <m:t>,</m:t>
-                      </m:r>
-                      <m:r>
-                        <a:rPr lang="en-GB" i="1" dirty="0" err="1" smtClean="0">
-                          <a:latin typeface="Cambria Math" panose="02040503050406030204" pitchFamily="18" charset="0"/>
-                        </a:rPr>
-                        <m:t>𝑘</m:t>
-                      </m:r>
-                      <m:r>
-                        <a:rPr lang="en-GB" i="1" dirty="0" smtClean="0">
-                          <a:latin typeface="Cambria Math" panose="02040503050406030204" pitchFamily="18" charset="0"/>
-                        </a:rPr>
-                        <m:t>)|</m:t>
-                      </m:r>
-                    </m:oMath>
-                  </m:oMathPara>
-                </a14:m>
-                <a:endParaRPr lang="en-GB" dirty="0"/>
-              </a:p>
-            </p:txBody>
-          </p:sp>
-        </mc:Choice>
-        <mc:Fallback xmlns="">
-          <p:sp>
-            <p:nvSpPr>
-              <p:cNvPr id="28" name="TextBox 27"/>
-              <p:cNvSpPr txBox="1">
-                <a:spLocks noRot="1" noChangeAspect="1" noMove="1" noResize="1" noEditPoints="1" noAdjustHandles="1" noChangeArrowheads="1" noChangeShapeType="1" noTextEdit="1"/>
-              </p:cNvSpPr>
-              <p:nvPr/>
-            </p:nvSpPr>
-            <p:spPr>
-              <a:xfrm>
-                <a:off x="3936632" y="1487147"/>
-                <a:ext cx="937349" cy="369332"/>
-              </a:xfrm>
-              <a:prstGeom prst="rect">
-                <a:avLst/>
-              </a:prstGeom>
-              <a:blipFill rotWithShape="0">
-                <a:blip r:embed="rId5"/>
-                <a:stretch>
-                  <a:fillRect l="-1948" r="-10390" b="-11475"/>
-                </a:stretch>
-              </a:blipFill>
-            </p:spPr>
-            <p:txBody>
-              <a:bodyPr/>
-              <a:lstStyle/>
-              <a:p>
-                <a:r>
-                  <a:rPr lang="en-GB">
-                    <a:noFill/>
-                  </a:rPr>
-                  <a:t> </a:t>
-                </a:r>
-              </a:p>
-            </p:txBody>
-          </p:sp>
-        </mc:Fallback>
-      </mc:AlternateContent>
       <p:cxnSp>
         <p:nvCxnSpPr>
           <p:cNvPr id="37" name="Straight Arrow Connector 36"/>
@@ -3696,7 +3505,7 @@
         </p:nvSpPr>
         <p:spPr>
           <a:xfrm>
-            <a:off x="4473565" y="2756370"/>
+            <a:off x="4473565" y="3793811"/>
             <a:ext cx="1376781" cy="923330"/>
           </a:xfrm>
           <a:prstGeom prst="rect">
@@ -3731,7 +3540,7 @@
         </p:nvCxnSpPr>
         <p:spPr>
           <a:xfrm>
-            <a:off x="4113566" y="4354884"/>
+            <a:off x="4100503" y="4255475"/>
             <a:ext cx="360000" cy="0"/>
           </a:xfrm>
           <a:prstGeom prst="straightConnector1">
@@ -3767,7 +3576,7 @@
         </p:nvSpPr>
         <p:spPr>
           <a:xfrm>
-            <a:off x="4473565" y="4173795"/>
+            <a:off x="4473690" y="2975517"/>
             <a:ext cx="1376781" cy="646331"/>
           </a:xfrm>
           <a:prstGeom prst="rect">
@@ -3802,8 +3611,8 @@
         </p:nvCxnSpPr>
         <p:spPr>
           <a:xfrm>
-            <a:off x="4113566" y="1850339"/>
-            <a:ext cx="0" cy="2496578"/>
+            <a:off x="4113566" y="1863402"/>
+            <a:ext cx="0" cy="1413695"/>
           </a:xfrm>
           <a:prstGeom prst="line">
             <a:avLst/>
@@ -3915,8 +3724,8 @@
         </p:nvCxnSpPr>
         <p:spPr>
           <a:xfrm flipV="1">
-            <a:off x="6790871" y="2701266"/>
-            <a:ext cx="0" cy="516769"/>
+            <a:off x="6791577" y="2707928"/>
+            <a:ext cx="0" cy="560242"/>
           </a:xfrm>
           <a:prstGeom prst="straightConnector1">
             <a:avLst/>
@@ -3951,7 +3760,7 @@
         </p:nvCxnSpPr>
         <p:spPr>
           <a:xfrm flipV="1">
-            <a:off x="5850346" y="4346917"/>
+            <a:off x="5850346" y="4255476"/>
             <a:ext cx="1436914" cy="1"/>
           </a:xfrm>
           <a:prstGeom prst="line">
@@ -3981,14 +3790,12 @@
       <p:cxnSp>
         <p:nvCxnSpPr>
           <p:cNvPr id="61" name="Straight Connector 60"/>
-          <p:cNvCxnSpPr>
-            <a:stCxn id="38" idx="3"/>
-          </p:cNvCxnSpPr>
+          <p:cNvCxnSpPr/>
           <p:nvPr/>
         </p:nvCxnSpPr>
         <p:spPr>
           <a:xfrm>
-            <a:off x="5850346" y="3218035"/>
+            <a:off x="5850346" y="3267151"/>
             <a:ext cx="940525" cy="0"/>
           </a:xfrm>
           <a:prstGeom prst="line">
@@ -4024,7 +3831,7 @@
         <p:spPr>
           <a:xfrm flipH="1" flipV="1">
             <a:off x="7285989" y="2694865"/>
-            <a:ext cx="636" cy="1658402"/>
+            <a:ext cx="0" cy="1560611"/>
           </a:xfrm>
           <a:prstGeom prst="straightConnector1">
             <a:avLst/>
@@ -4061,7 +3868,7 @@
             </p:nvSpPr>
             <p:spPr>
               <a:xfrm>
-                <a:off x="5963874" y="2848704"/>
+                <a:off x="6233953" y="3886143"/>
                 <a:ext cx="763177" cy="369332"/>
               </a:xfrm>
               <a:prstGeom prst="rect">
@@ -4125,14 +3932,14 @@
             </p:nvSpPr>
             <p:spPr>
               <a:xfrm>
-                <a:off x="5963874" y="2848704"/>
+                <a:off x="6233953" y="3886143"/>
                 <a:ext cx="763177" cy="369332"/>
               </a:xfrm>
               <a:prstGeom prst="rect">
                 <a:avLst/>
               </a:prstGeom>
               <a:blipFill rotWithShape="0">
-                <a:blip r:embed="rId6"/>
+                <a:blip r:embed="rId5"/>
                 <a:stretch>
                   <a:fillRect b="-13115"/>
                 </a:stretch>
@@ -4163,7 +3970,7 @@
             </p:nvSpPr>
             <p:spPr>
               <a:xfrm>
-                <a:off x="5957979" y="3167208"/>
+                <a:off x="6223454" y="4255476"/>
                 <a:ext cx="763177" cy="422552"/>
               </a:xfrm>
               <a:prstGeom prst="rect">
@@ -4255,14 +4062,14 @@
             </p:nvSpPr>
             <p:spPr>
               <a:xfrm>
-                <a:off x="5957979" y="3167208"/>
+                <a:off x="6223454" y="4255476"/>
                 <a:ext cx="763177" cy="422552"/>
               </a:xfrm>
               <a:prstGeom prst="rect">
                 <a:avLst/>
               </a:prstGeom>
               <a:blipFill rotWithShape="0">
-                <a:blip r:embed="rId7"/>
+                <a:blip r:embed="rId6"/>
                 <a:stretch>
                   <a:fillRect b="-8696"/>
                 </a:stretch>
@@ -4293,7 +4100,7 @@
             </p:nvSpPr>
             <p:spPr>
               <a:xfrm>
-                <a:off x="6093461" y="3927541"/>
+                <a:off x="5909084" y="2855962"/>
                 <a:ext cx="763177" cy="422552"/>
               </a:xfrm>
               <a:prstGeom prst="rect">
@@ -4385,14 +4192,14 @@
             </p:nvSpPr>
             <p:spPr>
               <a:xfrm>
-                <a:off x="6093461" y="3927541"/>
+                <a:off x="5909084" y="2855962"/>
                 <a:ext cx="763177" cy="422552"/>
               </a:xfrm>
               <a:prstGeom prst="rect">
                 <a:avLst/>
               </a:prstGeom>
               <a:blipFill rotWithShape="0">
-                <a:blip r:embed="rId8"/>
+                <a:blip r:embed="rId7"/>
                 <a:stretch>
                   <a:fillRect b="-7143"/>
                 </a:stretch>
@@ -4890,8 +4697,8 @@
           </p:sp>
         </mc:Fallback>
       </mc:AlternateContent>
-      <mc:AlternateContent xmlns:mc="http://schemas.openxmlformats.org/markup-compatibility/2006" xmlns:a14="http://schemas.microsoft.com/office/drawing/2010/main">
-        <mc:Choice Requires="a14">
+      <mc:AlternateContent xmlns:mc="http://schemas.openxmlformats.org/markup-compatibility/2006">
+        <mc:Choice xmlns:a14="http://schemas.microsoft.com/office/drawing/2010/main" Requires="a14">
           <p:sp>
             <p:nvSpPr>
               <p:cNvPr id="109" name="TextBox 108"/>
@@ -4900,7 +4707,7 @@
             </p:nvSpPr>
             <p:spPr>
               <a:xfrm>
-                <a:off x="4453387" y="1913631"/>
+                <a:off x="4391602" y="1913631"/>
                 <a:ext cx="1526548" cy="369332"/>
               </a:xfrm>
               <a:prstGeom prst="rect">
@@ -4977,7 +4784,7 @@
             </p:txBody>
           </p:sp>
         </mc:Choice>
-        <mc:Fallback xmlns="">
+        <mc:Fallback>
           <p:sp>
             <p:nvSpPr>
               <p:cNvPr id="109" name="TextBox 108"/>
@@ -4988,7 +4795,7 @@
             </p:nvSpPr>
             <p:spPr>
               <a:xfrm>
-                <a:off x="4453387" y="1913631"/>
+                <a:off x="4391602" y="1913631"/>
                 <a:ext cx="1526548" cy="369332"/>
               </a:xfrm>
               <a:prstGeom prst="rect">
@@ -5363,9 +5170,9 @@
           <p:nvPr/>
         </p:nvCxnSpPr>
         <p:spPr>
-          <a:xfrm>
-            <a:off x="8769371" y="1696269"/>
-            <a:ext cx="2" cy="248166"/>
+          <a:xfrm flipH="1">
+            <a:off x="8769374" y="1702355"/>
+            <a:ext cx="0" cy="242080"/>
           </a:xfrm>
           <a:prstGeom prst="straightConnector1">
             <a:avLst/>
@@ -5395,13 +5202,15 @@
       <p:cxnSp>
         <p:nvCxnSpPr>
           <p:cNvPr id="131" name="Straight Connector 130"/>
-          <p:cNvCxnSpPr/>
+          <p:cNvCxnSpPr>
+            <a:endCxn id="5" idx="2"/>
+          </p:cNvCxnSpPr>
           <p:nvPr/>
         </p:nvCxnSpPr>
         <p:spPr>
           <a:xfrm flipV="1">
-            <a:off x="1676057" y="1717595"/>
-            <a:ext cx="0" cy="157418"/>
+            <a:off x="2971243" y="1600622"/>
+            <a:ext cx="0" cy="261573"/>
           </a:xfrm>
           <a:prstGeom prst="line">
             <a:avLst/>
@@ -5664,7 +5473,7 @@
         </p:nvSpPr>
         <p:spPr>
           <a:xfrm>
-            <a:off x="3347781" y="4394949"/>
+            <a:off x="3153342" y="3231434"/>
             <a:ext cx="665635" cy="430887"/>
           </a:xfrm>
           <a:prstGeom prst="rect">
@@ -5688,7 +5497,6 @@
               <a:rPr lang="en-GB" sz="2200" b="1" dirty="0" smtClean="0"/>
               <a:t>IBM</a:t>
             </a:r>
-            <a:endParaRPr lang="en-GB" sz="2200" b="1" dirty="0" smtClean="0"/>
           </a:p>
         </p:txBody>
       </p:sp>
@@ -5702,8 +5510,8 @@
         </p:nvCxnSpPr>
         <p:spPr>
           <a:xfrm>
-            <a:off x="4013416" y="4610393"/>
-            <a:ext cx="439971" cy="796"/>
+            <a:off x="3818977" y="3446878"/>
+            <a:ext cx="653443" cy="0"/>
           </a:xfrm>
           <a:prstGeom prst="straightConnector1">
             <a:avLst/>
@@ -5738,8 +5546,8 @@
         </p:nvCxnSpPr>
         <p:spPr>
           <a:xfrm>
-            <a:off x="1058091" y="1253390"/>
-            <a:ext cx="0" cy="3357003"/>
+            <a:off x="2268496" y="1132437"/>
+            <a:ext cx="0" cy="2320984"/>
           </a:xfrm>
           <a:prstGeom prst="line">
             <a:avLst/>
@@ -5768,15 +5576,13 @@
       <p:cxnSp>
         <p:nvCxnSpPr>
           <p:cNvPr id="10" name="Straight Arrow Connector 9"/>
-          <p:cNvCxnSpPr>
-            <a:endCxn id="44" idx="1"/>
-          </p:cNvCxnSpPr>
+          <p:cNvCxnSpPr/>
           <p:nvPr/>
         </p:nvCxnSpPr>
         <p:spPr>
           <a:xfrm>
-            <a:off x="1045029" y="4610393"/>
-            <a:ext cx="2302752" cy="0"/>
+            <a:off x="2267861" y="3453421"/>
+            <a:ext cx="875826" cy="0"/>
           </a:xfrm>
           <a:prstGeom prst="straightConnector1">
             <a:avLst/>
@@ -5803,6 +5609,108 @@
           </a:fontRef>
         </p:style>
       </p:cxnSp>
+      <mc:AlternateContent xmlns:mc="http://schemas.openxmlformats.org/markup-compatibility/2006" xmlns:a14="http://schemas.microsoft.com/office/drawing/2010/main">
+        <mc:Choice Requires="a14">
+          <p:sp>
+            <p:nvSpPr>
+              <p:cNvPr id="56" name="TextBox 55"/>
+              <p:cNvSpPr txBox="1"/>
+              <p:nvPr/>
+            </p:nvSpPr>
+            <p:spPr>
+              <a:xfrm>
+                <a:off x="3524261" y="4056376"/>
+                <a:ext cx="627017" cy="369332"/>
+              </a:xfrm>
+              <a:prstGeom prst="rect">
+                <a:avLst/>
+              </a:prstGeom>
+              <a:noFill/>
+            </p:spPr>
+            <p:txBody>
+              <a:bodyPr wrap="square" rtlCol="0">
+                <a:spAutoFit/>
+              </a:bodyPr>
+              <a:lstStyle/>
+              <a:p>
+                <a:pPr/>
+                <a14:m>
+                  <m:oMathPara xmlns:m="http://schemas.openxmlformats.org/officeDocument/2006/math">
+                    <m:oMathParaPr>
+                      <m:jc m:val="centerGroup"/>
+                    </m:oMathParaPr>
+                    <m:oMath xmlns:m="http://schemas.openxmlformats.org/officeDocument/2006/math">
+                      <m:r>
+                        <a:rPr lang="en-GB" b="0" i="1" dirty="0" smtClean="0">
+                          <a:latin typeface="Cambria Math" panose="02040503050406030204" pitchFamily="18" charset="0"/>
+                        </a:rPr>
+                        <m:t>𝑠</m:t>
+                      </m:r>
+                      <m:r>
+                        <a:rPr lang="en-GB" i="1" dirty="0" smtClean="0">
+                          <a:latin typeface="Cambria Math" panose="02040503050406030204" pitchFamily="18" charset="0"/>
+                        </a:rPr>
+                        <m:t>(</m:t>
+                      </m:r>
+                      <m:r>
+                        <a:rPr lang="en-GB" i="1" dirty="0" smtClean="0">
+                          <a:latin typeface="Cambria Math" panose="02040503050406030204" pitchFamily="18" charset="0"/>
+                        </a:rPr>
+                        <m:t>𝑛</m:t>
+                      </m:r>
+                      <m:r>
+                        <a:rPr lang="en-GB" i="1" dirty="0" smtClean="0">
+                          <a:latin typeface="Cambria Math" panose="02040503050406030204" pitchFamily="18" charset="0"/>
+                        </a:rPr>
+                        <m:t>)</m:t>
+                      </m:r>
+                    </m:oMath>
+                  </m:oMathPara>
+                </a14:m>
+                <a:endParaRPr lang="en-GB" i="1" dirty="0"/>
+              </a:p>
+            </p:txBody>
+          </p:sp>
+        </mc:Choice>
+        <mc:Fallback xmlns="">
+          <p:sp>
+            <p:nvSpPr>
+              <p:cNvPr id="56" name="TextBox 55"/>
+              <p:cNvSpPr txBox="1">
+                <a:spLocks noRot="1" noChangeAspect="1" noMove="1" noResize="1" noEditPoints="1" noAdjustHandles="1" noChangeArrowheads="1" noChangeShapeType="1" noTextEdit="1"/>
+              </p:cNvSpPr>
+              <p:nvPr/>
+            </p:nvSpPr>
+            <p:spPr>
+              <a:xfrm>
+                <a:off x="3524261" y="4056376"/>
+                <a:ext cx="627017" cy="369332"/>
+              </a:xfrm>
+              <a:prstGeom prst="rect">
+                <a:avLst/>
+              </a:prstGeom>
+              <a:blipFill rotWithShape="0">
+                <a:blip r:embed="rId15"/>
+                <a:stretch>
+                  <a:fillRect r="-2913" b="-13115"/>
+                </a:stretch>
+              </a:blipFill>
+            </p:spPr>
+            <p:txBody>
+              <a:bodyPr/>
+              <a:lstStyle/>
+              <a:p>
+                <a:r>
+                  <a:rPr lang="en-GB">
+                    <a:noFill/>
+                  </a:rPr>
+                  <a:t> </a:t>
+                </a:r>
+              </a:p>
+            </p:txBody>
+          </p:sp>
+        </mc:Fallback>
+      </mc:AlternateContent>
     </p:spTree>
     <p:extLst>
       <p:ext uri="{BB962C8B-B14F-4D97-AF65-F5344CB8AC3E}">

--- a/Final Report/block diagram NMDKF.pptx
+++ b/Final Report/block diagram NMDKF.pptx
@@ -243,7 +243,7 @@
           <a:p>
             <a:fld id="{4823A0FC-238D-4E66-BF36-A12D4DEDFE4F}" type="datetimeFigureOut">
               <a:rPr lang="en-GB" smtClean="0"/>
-              <a:t>11/06/2017</a:t>
+              <a:t>18/06/2017</a:t>
             </a:fld>
             <a:endParaRPr lang="en-GB"/>
           </a:p>
@@ -413,7 +413,7 @@
           <a:p>
             <a:fld id="{4823A0FC-238D-4E66-BF36-A12D4DEDFE4F}" type="datetimeFigureOut">
               <a:rPr lang="en-GB" smtClean="0"/>
-              <a:t>11/06/2017</a:t>
+              <a:t>18/06/2017</a:t>
             </a:fld>
             <a:endParaRPr lang="en-GB"/>
           </a:p>
@@ -593,7 +593,7 @@
           <a:p>
             <a:fld id="{4823A0FC-238D-4E66-BF36-A12D4DEDFE4F}" type="datetimeFigureOut">
               <a:rPr lang="en-GB" smtClean="0"/>
-              <a:t>11/06/2017</a:t>
+              <a:t>18/06/2017</a:t>
             </a:fld>
             <a:endParaRPr lang="en-GB"/>
           </a:p>
@@ -763,7 +763,7 @@
           <a:p>
             <a:fld id="{4823A0FC-238D-4E66-BF36-A12D4DEDFE4F}" type="datetimeFigureOut">
               <a:rPr lang="en-GB" smtClean="0"/>
-              <a:t>11/06/2017</a:t>
+              <a:t>18/06/2017</a:t>
             </a:fld>
             <a:endParaRPr lang="en-GB"/>
           </a:p>
@@ -1009,7 +1009,7 @@
           <a:p>
             <a:fld id="{4823A0FC-238D-4E66-BF36-A12D4DEDFE4F}" type="datetimeFigureOut">
               <a:rPr lang="en-GB" smtClean="0"/>
-              <a:t>11/06/2017</a:t>
+              <a:t>18/06/2017</a:t>
             </a:fld>
             <a:endParaRPr lang="en-GB"/>
           </a:p>
@@ -1241,7 +1241,7 @@
           <a:p>
             <a:fld id="{4823A0FC-238D-4E66-BF36-A12D4DEDFE4F}" type="datetimeFigureOut">
               <a:rPr lang="en-GB" smtClean="0"/>
-              <a:t>11/06/2017</a:t>
+              <a:t>18/06/2017</a:t>
             </a:fld>
             <a:endParaRPr lang="en-GB"/>
           </a:p>
@@ -1608,7 +1608,7 @@
           <a:p>
             <a:fld id="{4823A0FC-238D-4E66-BF36-A12D4DEDFE4F}" type="datetimeFigureOut">
               <a:rPr lang="en-GB" smtClean="0"/>
-              <a:t>11/06/2017</a:t>
+              <a:t>18/06/2017</a:t>
             </a:fld>
             <a:endParaRPr lang="en-GB"/>
           </a:p>
@@ -1726,7 +1726,7 @@
           <a:p>
             <a:fld id="{4823A0FC-238D-4E66-BF36-A12D4DEDFE4F}" type="datetimeFigureOut">
               <a:rPr lang="en-GB" smtClean="0"/>
-              <a:t>11/06/2017</a:t>
+              <a:t>18/06/2017</a:t>
             </a:fld>
             <a:endParaRPr lang="en-GB"/>
           </a:p>
@@ -1821,7 +1821,7 @@
           <a:p>
             <a:fld id="{4823A0FC-238D-4E66-BF36-A12D4DEDFE4F}" type="datetimeFigureOut">
               <a:rPr lang="en-GB" smtClean="0"/>
-              <a:t>11/06/2017</a:t>
+              <a:t>18/06/2017</a:t>
             </a:fld>
             <a:endParaRPr lang="en-GB"/>
           </a:p>
@@ -2098,7 +2098,7 @@
           <a:p>
             <a:fld id="{4823A0FC-238D-4E66-BF36-A12D4DEDFE4F}" type="datetimeFigureOut">
               <a:rPr lang="en-GB" smtClean="0"/>
-              <a:t>11/06/2017</a:t>
+              <a:t>18/06/2017</a:t>
             </a:fld>
             <a:endParaRPr lang="en-GB"/>
           </a:p>
@@ -2351,7 +2351,7 @@
           <a:p>
             <a:fld id="{4823A0FC-238D-4E66-BF36-A12D4DEDFE4F}" type="datetimeFigureOut">
               <a:rPr lang="en-GB" smtClean="0"/>
-              <a:t>11/06/2017</a:t>
+              <a:t>18/06/2017</a:t>
             </a:fld>
             <a:endParaRPr lang="en-GB"/>
           </a:p>
@@ -2564,7 +2564,7 @@
           <a:p>
             <a:fld id="{4823A0FC-238D-4E66-BF36-A12D4DEDFE4F}" type="datetimeFigureOut">
               <a:rPr lang="en-GB" smtClean="0"/>
-              <a:t>11/06/2017</a:t>
+              <a:t>18/06/2017</a:t>
             </a:fld>
             <a:endParaRPr lang="en-GB"/>
           </a:p>
@@ -3269,8 +3269,8 @@
           </p:sp>
         </mc:Fallback>
       </mc:AlternateContent>
-      <mc:AlternateContent xmlns:mc="http://schemas.openxmlformats.org/markup-compatibility/2006" xmlns:a14="http://schemas.microsoft.com/office/drawing/2010/main">
-        <mc:Choice Requires="a14">
+      <mc:AlternateContent xmlns:mc="http://schemas.openxmlformats.org/markup-compatibility/2006">
+        <mc:Choice xmlns:a14="http://schemas.microsoft.com/office/drawing/2010/main" Requires="a14">
           <p:sp>
             <p:nvSpPr>
               <p:cNvPr id="16" name="TextBox 15"/>
@@ -3279,7 +3279,7 @@
             </p:nvSpPr>
             <p:spPr>
               <a:xfrm>
-                <a:off x="3500295" y="1492863"/>
+                <a:off x="3500295" y="1332224"/>
                 <a:ext cx="937349" cy="369332"/>
               </a:xfrm>
               <a:prstGeom prst="rect">
@@ -3350,7 +3350,7 @@
             </p:txBody>
           </p:sp>
         </mc:Choice>
-        <mc:Fallback xmlns="">
+        <mc:Fallback>
           <p:sp>
             <p:nvSpPr>
               <p:cNvPr id="16" name="TextBox 15"/>
@@ -3361,7 +3361,7 @@
             </p:nvSpPr>
             <p:spPr>
               <a:xfrm>
-                <a:off x="3500295" y="1492863"/>
+                <a:off x="3500295" y="1332224"/>
                 <a:ext cx="937349" cy="369332"/>
               </a:xfrm>
               <a:prstGeom prst="rect">
@@ -3433,7 +3433,7 @@
         </p:nvCxnSpPr>
         <p:spPr>
           <a:xfrm>
-            <a:off x="2971243" y="1862195"/>
+            <a:off x="2971243" y="1738625"/>
             <a:ext cx="3239270" cy="1207"/>
           </a:xfrm>
           <a:prstGeom prst="straightConnector1">
@@ -3610,9 +3610,9 @@
           <p:nvPr/>
         </p:nvCxnSpPr>
         <p:spPr>
-          <a:xfrm>
-            <a:off x="4113566" y="1863402"/>
-            <a:ext cx="0" cy="1413695"/>
+          <a:xfrm flipH="1">
+            <a:off x="4113566" y="1738625"/>
+            <a:ext cx="0" cy="1530496"/>
           </a:xfrm>
           <a:prstGeom prst="line">
             <a:avLst/>
@@ -4697,8 +4697,8 @@
           </p:sp>
         </mc:Fallback>
       </mc:AlternateContent>
-      <mc:AlternateContent xmlns:mc="http://schemas.openxmlformats.org/markup-compatibility/2006">
-        <mc:Choice xmlns:a14="http://schemas.microsoft.com/office/drawing/2010/main" Requires="a14">
+      <mc:AlternateContent xmlns:mc="http://schemas.openxmlformats.org/markup-compatibility/2006" xmlns:a14="http://schemas.microsoft.com/office/drawing/2010/main">
+        <mc:Choice Requires="a14">
           <p:sp>
             <p:nvSpPr>
               <p:cNvPr id="109" name="TextBox 108"/>
@@ -4784,7 +4784,7 @@
             </p:txBody>
           </p:sp>
         </mc:Choice>
-        <mc:Fallback>
+        <mc:Fallback xmlns="">
           <p:sp>
             <p:nvSpPr>
               <p:cNvPr id="109" name="TextBox 108"/>
@@ -5210,7 +5210,7 @@
         <p:spPr>
           <a:xfrm flipV="1">
             <a:off x="2971243" y="1600622"/>
-            <a:ext cx="0" cy="261573"/>
+            <a:ext cx="0" cy="138003"/>
           </a:xfrm>
           <a:prstGeom prst="line">
             <a:avLst/>
